--- a/Documentação/Apresentação meu desafio individual.pptx
+++ b/Documentação/Apresentação meu desafio individual.pptx
@@ -3260,7 +3260,7 @@
         </p:nvSpPr>
         <p:spPr>
           <a:xfrm rot="0">
-            <a:off x="2638018" y="952500"/>
+            <a:off x="2638018" y="2263219"/>
             <a:ext cx="13011963" cy="1201420"/>
           </a:xfrm>
           <a:prstGeom prst="rect">
@@ -3298,8 +3298,8 @@
         </p:nvSpPr>
         <p:spPr>
           <a:xfrm rot="0">
-            <a:off x="2638018" y="2381004"/>
-            <a:ext cx="13011963" cy="6559550"/>
+            <a:off x="2638018" y="4352679"/>
+            <a:ext cx="13011963" cy="2616200"/>
           </a:xfrm>
           <a:prstGeom prst="rect">
             <a:avLst/>
@@ -3323,7 +3323,7 @@
                 </a:solidFill>
                 <a:latin typeface="Open Sauce"/>
               </a:rPr>
-              <a:t>Minha maior dificuldade foi entender a API passada para fazer o projeto, as conexões com o banco, entender as routes, controllers, model foi bem difícil e foi aonde eu perdi mais tempo e também pelos conceitos que a API usa que não foram estudados.</a:t>
+              <a:t>Minha maior dificuldade foi entender a API passada para fazer o projeto.</a:t>
             </a:r>
           </a:p>
           <a:p>
@@ -3346,7 +3346,7 @@
                 </a:solidFill>
                 <a:latin typeface="Open Sauce"/>
               </a:rPr>
-              <a:t>E essa foi justamente minha maior superação, pois quando consegui ter um entendimento consegui ter bastante avanço, e fazer as rotas do "zero" para minhas demais páginas.</a:t>
+              <a:t>E essa foi justamente minha maior superação.</a:t>
             </a:r>
           </a:p>
         </p:txBody>
@@ -3929,8 +3929,8 @@
         </p:nvSpPr>
         <p:spPr>
           <a:xfrm rot="0">
-            <a:off x="2638018" y="1568783"/>
-            <a:ext cx="13011963" cy="3270250"/>
+            <a:off x="2638018" y="1623446"/>
+            <a:ext cx="13011963" cy="4908550"/>
           </a:xfrm>
           <a:prstGeom prst="rect">
             <a:avLst/>
@@ -3954,7 +3954,7 @@
                 </a:solidFill>
                 <a:latin typeface="Open Sauce Light"/>
               </a:rPr>
-              <a:t>Meu projeto, se chama Friendly Snakes, tem como objetivo desmistificar os mitos que cercam as cobras, com a intenção de reduzir o medo que as pessoas têm delas.</a:t>
+              <a:t>Meu projeto, se chama Friendly Snakes, tem como objetivo desmistificar os mitos que cercam as cobras, e trazer conhecimento sobre elas, com a intenção de reduzir o medo que as pessoas têm delas.</a:t>
             </a:r>
           </a:p>
         </p:txBody>
@@ -3967,7 +3967,7 @@
         </p:nvSpPr>
         <p:spPr>
           <a:xfrm rot="0">
-            <a:off x="2638018" y="6237026"/>
+            <a:off x="2638018" y="7110838"/>
             <a:ext cx="13011963" cy="812800"/>
           </a:xfrm>
           <a:prstGeom prst="rect">
@@ -4037,8 +4037,8 @@
         </p:nvSpPr>
         <p:spPr>
           <a:xfrm rot="0">
-            <a:off x="2638018" y="1132845"/>
-            <a:ext cx="13011963" cy="6546850"/>
+            <a:off x="2638018" y="2771145"/>
+            <a:ext cx="13011963" cy="3270250"/>
           </a:xfrm>
           <a:prstGeom prst="rect">
             <a:avLst/>
@@ -4062,7 +4062,7 @@
                 </a:solidFill>
                 <a:latin typeface="Open Sauce Light"/>
               </a:rPr>
-              <a:t>Desde pequeno eu sou fascinado por animais, especialmente os repteis, e animais já extintos como os dinossauros, e entre eles as cobras, me chamam bastante atenção, sempre gostei, amo na verdade, meus brinquedos eram miniaturas de dinossauros, cobras, jacarés, e livros que falavam sobre esses tema.</a:t>
+              <a:t>Desde pequeno eu sou fascinado por animais, especialmente os repteis e entre eles as cobras me chamam bastante atenção.</a:t>
             </a:r>
           </a:p>
         </p:txBody>
@@ -4107,8 +4107,8 @@
         </p:nvSpPr>
         <p:spPr>
           <a:xfrm rot="0">
-            <a:off x="2638018" y="2361570"/>
-            <a:ext cx="13011963" cy="4089400"/>
+            <a:off x="2638018" y="3180720"/>
+            <a:ext cx="13011963" cy="2451100"/>
           </a:xfrm>
           <a:prstGeom prst="rect">
             <a:avLst/>
@@ -4132,7 +4132,7 @@
                 </a:solidFill>
                 <a:latin typeface="Open Sauce Light"/>
               </a:rPr>
-              <a:t> Uma vez na rua onde eu morava um vizinho recebeu a visita de um amigo que tinha uma jiboia, foi um momento muito incrível para mim, foi a primeira vez que interagi com esses animais.</a:t>
+              <a:t> Uma vez na rua onde eu morava um vizinho recebeu a visita de um amigo que trouxe uma Jiboia consigo.</a:t>
             </a:r>
           </a:p>
         </p:txBody>
@@ -4319,8 +4319,8 @@
         </p:nvSpPr>
         <p:spPr>
           <a:xfrm rot="0">
-            <a:off x="1352160" y="990600"/>
-            <a:ext cx="15583681" cy="7216775"/>
+            <a:off x="1352160" y="1976438"/>
+            <a:ext cx="15583681" cy="5245100"/>
           </a:xfrm>
           <a:prstGeom prst="rect">
             <a:avLst/>
@@ -4367,7 +4367,7 @@
                 </a:solidFill>
                 <a:latin typeface="Open Sauce"/>
               </a:rPr>
-              <a:t>Sendo vítimas do medo humano, que infelizmente levam a espécimes únicos e raros à morte simplesmente por terem sido avistados.</a:t>
+              <a:t>Sendo vítimas do medo humano.</a:t>
             </a:r>
           </a:p>
           <a:p>
@@ -4390,7 +4390,7 @@
                 </a:solidFill>
                 <a:latin typeface="Open Sauce"/>
               </a:rPr>
-              <a:t>Isso ocorre devido à escassez de conhecimento e à crença em histórias falsas e irreais sobre esses animais. Portanto, desenvolvi meu projeto com base nesse tema.</a:t>
+              <a:t>Isso ocorre devido à escassez de conhecimento e à crença em histórias falsas e irreais sobre esses animais.</a:t>
             </a:r>
           </a:p>
         </p:txBody>
@@ -4435,8 +4435,8 @@
         </p:nvSpPr>
         <p:spPr>
           <a:xfrm rot="0">
-            <a:off x="2638018" y="2450470"/>
-            <a:ext cx="13011963" cy="3930650"/>
+            <a:off x="2638018" y="2121857"/>
+            <a:ext cx="13011963" cy="4587875"/>
           </a:xfrm>
           <a:prstGeom prst="rect">
             <a:avLst/>
@@ -4460,7 +4460,37 @@
                 </a:solidFill>
                 <a:latin typeface="Open Sauce Light"/>
               </a:rPr>
-              <a:t>Desvalorização da vida de um animal é algo completamente contra minha natureza, ética e valores. Agir contra um animal sem motivos, sem necessidade, feri minha integridade, então talvez mostrando que essas criaturas não são "monstros" como as pessoas pensam, diminua o preconceito sobre as cobras.</a:t>
+              <a:t>Desvalorização da vida de um animal é algo completamente contra minha natureza.</a:t>
+            </a:r>
+          </a:p>
+          <a:p>
+            <a:pPr algn="ctr">
+              <a:lnSpc>
+                <a:spcPts val="5199"/>
+              </a:lnSpc>
+            </a:pPr>
+          </a:p>
+          <a:p>
+            <a:pPr algn="ctr">
+              <a:lnSpc>
+                <a:spcPts val="5199"/>
+              </a:lnSpc>
+            </a:pPr>
+          </a:p>
+          <a:p>
+            <a:pPr algn="ctr">
+              <a:lnSpc>
+                <a:spcPts val="5199"/>
+              </a:lnSpc>
+            </a:pPr>
+            <a:r>
+              <a:rPr lang="en-US" sz="3999" spc="-39">
+                <a:solidFill>
+                  <a:srgbClr val="FFFFFF"/>
+                </a:solidFill>
+                <a:latin typeface="Open Sauce Light"/>
+              </a:rPr>
+              <a:t>Então talvez mostrando que essas criaturas não são "monstros" como as pessoas pensam, diminua o preconceito com elas.</a:t>
             </a:r>
           </a:p>
         </p:txBody>
@@ -4733,7 +4763,7 @@
         </p:nvSpPr>
         <p:spPr>
           <a:xfrm rot="0">
-            <a:off x="9438903" y="2855913"/>
+            <a:off x="7783534" y="2855913"/>
             <a:ext cx="3094286" cy="644525"/>
           </a:xfrm>
           <a:prstGeom prst="rect">
@@ -4773,7 +4803,7 @@
         </p:nvSpPr>
         <p:spPr>
           <a:xfrm rot="0">
-            <a:off x="9438903" y="4119563"/>
+            <a:off x="7783534" y="4119563"/>
             <a:ext cx="3902720" cy="644525"/>
           </a:xfrm>
           <a:prstGeom prst="rect">
@@ -4813,7 +4843,7 @@
         </p:nvSpPr>
         <p:spPr>
           <a:xfrm rot="0">
-            <a:off x="9438903" y="5383213"/>
+            <a:off x="7783534" y="5383213"/>
             <a:ext cx="4897785" cy="644525"/>
           </a:xfrm>
           <a:prstGeom prst="rect">
@@ -4853,7 +4883,7 @@
         </p:nvSpPr>
         <p:spPr>
           <a:xfrm rot="0">
-            <a:off x="15145036" y="2855913"/>
+            <a:off x="7783534" y="6646863"/>
             <a:ext cx="1648420" cy="644525"/>
           </a:xfrm>
           <a:prstGeom prst="rect">
@@ -4893,7 +4923,7 @@
         </p:nvSpPr>
         <p:spPr>
           <a:xfrm rot="0">
-            <a:off x="9438903" y="6646863"/>
+            <a:off x="12681319" y="2855913"/>
             <a:ext cx="4288780" cy="644525"/>
           </a:xfrm>
           <a:prstGeom prst="rect">
